--- a/limbs-experiment/Presentation.pptx
+++ b/limbs-experiment/Presentation.pptx
@@ -117,6 +117,11 @@
       </a:defRPr>
     </a:lvl9pPr>
   </p:defaultTextStyle>
+  <p:extLst>
+    <p:ext uri="{EFAFB233-063F-42B5-8137-9DF3F51BA10A}">
+      <p15:sldGuideLst xmlns:p15="http://schemas.microsoft.com/office/powerpoint/2012/main"/>
+    </p:ext>
+  </p:extLst>
 </p:presentation>
 </file>
 
@@ -267,7 +272,7 @@
           <a:p>
             <a:fld id="{6F3E8B21-422B-4D47-B384-7CB812677848}" type="datetimeFigureOut">
               <a:rPr lang="nl-NL" smtClean="0"/>
-              <a:t>1-11-2018</a:t>
+              <a:t>2-11-2018</a:t>
             </a:fld>
             <a:endParaRPr lang="nl-NL"/>
           </a:p>
@@ -465,7 +470,7 @@
           <a:p>
             <a:fld id="{6F3E8B21-422B-4D47-B384-7CB812677848}" type="datetimeFigureOut">
               <a:rPr lang="nl-NL" smtClean="0"/>
-              <a:t>1-11-2018</a:t>
+              <a:t>2-11-2018</a:t>
             </a:fld>
             <a:endParaRPr lang="nl-NL"/>
           </a:p>
@@ -673,7 +678,7 @@
           <a:p>
             <a:fld id="{6F3E8B21-422B-4D47-B384-7CB812677848}" type="datetimeFigureOut">
               <a:rPr lang="nl-NL" smtClean="0"/>
-              <a:t>1-11-2018</a:t>
+              <a:t>2-11-2018</a:t>
             </a:fld>
             <a:endParaRPr lang="nl-NL"/>
           </a:p>
@@ -871,7 +876,7 @@
           <a:p>
             <a:fld id="{6F3E8B21-422B-4D47-B384-7CB812677848}" type="datetimeFigureOut">
               <a:rPr lang="nl-NL" smtClean="0"/>
-              <a:t>1-11-2018</a:t>
+              <a:t>2-11-2018</a:t>
             </a:fld>
             <a:endParaRPr lang="nl-NL"/>
           </a:p>
@@ -1146,7 +1151,7 @@
           <a:p>
             <a:fld id="{6F3E8B21-422B-4D47-B384-7CB812677848}" type="datetimeFigureOut">
               <a:rPr lang="nl-NL" smtClean="0"/>
-              <a:t>1-11-2018</a:t>
+              <a:t>2-11-2018</a:t>
             </a:fld>
             <a:endParaRPr lang="nl-NL"/>
           </a:p>
@@ -1411,7 +1416,7 @@
           <a:p>
             <a:fld id="{6F3E8B21-422B-4D47-B384-7CB812677848}" type="datetimeFigureOut">
               <a:rPr lang="nl-NL" smtClean="0"/>
-              <a:t>1-11-2018</a:t>
+              <a:t>2-11-2018</a:t>
             </a:fld>
             <a:endParaRPr lang="nl-NL"/>
           </a:p>
@@ -1823,7 +1828,7 @@
           <a:p>
             <a:fld id="{6F3E8B21-422B-4D47-B384-7CB812677848}" type="datetimeFigureOut">
               <a:rPr lang="nl-NL" smtClean="0"/>
-              <a:t>1-11-2018</a:t>
+              <a:t>2-11-2018</a:t>
             </a:fld>
             <a:endParaRPr lang="nl-NL"/>
           </a:p>
@@ -1964,7 +1969,7 @@
           <a:p>
             <a:fld id="{6F3E8B21-422B-4D47-B384-7CB812677848}" type="datetimeFigureOut">
               <a:rPr lang="nl-NL" smtClean="0"/>
-              <a:t>1-11-2018</a:t>
+              <a:t>2-11-2018</a:t>
             </a:fld>
             <a:endParaRPr lang="nl-NL"/>
           </a:p>
@@ -2077,7 +2082,7 @@
           <a:p>
             <a:fld id="{6F3E8B21-422B-4D47-B384-7CB812677848}" type="datetimeFigureOut">
               <a:rPr lang="nl-NL" smtClean="0"/>
-              <a:t>1-11-2018</a:t>
+              <a:t>2-11-2018</a:t>
             </a:fld>
             <a:endParaRPr lang="nl-NL"/>
           </a:p>
@@ -2388,7 +2393,7 @@
           <a:p>
             <a:fld id="{6F3E8B21-422B-4D47-B384-7CB812677848}" type="datetimeFigureOut">
               <a:rPr lang="nl-NL" smtClean="0"/>
-              <a:t>1-11-2018</a:t>
+              <a:t>2-11-2018</a:t>
             </a:fld>
             <a:endParaRPr lang="nl-NL"/>
           </a:p>
@@ -2676,7 +2681,7 @@
           <a:p>
             <a:fld id="{6F3E8B21-422B-4D47-B384-7CB812677848}" type="datetimeFigureOut">
               <a:rPr lang="nl-NL" smtClean="0"/>
-              <a:t>1-11-2018</a:t>
+              <a:t>2-11-2018</a:t>
             </a:fld>
             <a:endParaRPr lang="nl-NL"/>
           </a:p>
@@ -2917,7 +2922,7 @@
           <a:p>
             <a:fld id="{6F3E8B21-422B-4D47-B384-7CB812677848}" type="datetimeFigureOut">
               <a:rPr lang="nl-NL" smtClean="0"/>
-              <a:t>1-11-2018</a:t>
+              <a:t>2-11-2018</a:t>
             </a:fld>
             <a:endParaRPr lang="nl-NL"/>
           </a:p>
@@ -3999,8 +4004,8 @@
               <a:t> </a:t>
             </a:r>
             <a:r>
-              <a:rPr lang="nl-NL" dirty="0" err="1"/>
-              <a:t>visibile</a:t>
+              <a:rPr lang="nl-NL"/>
+              <a:t>visible</a:t>
             </a:r>
             <a:r>
               <a:rPr lang="nl-NL" dirty="0"/>
